--- a/PPT.pptx
+++ b/PPT.pptx
@@ -7,7 +7,8 @@
   <p:sldIdLst>
     <p:sldId id="256" r:id="rId2"/>
     <p:sldId id="260" r:id="rId3"/>
-    <p:sldId id="262" r:id="rId4"/>
+    <p:sldId id="263" r:id="rId4"/>
+    <p:sldId id="262" r:id="rId5"/>
   </p:sldIdLst>
   <p:sldSz cx="9144000" cy="6858000" type="screen4x3"/>
   <p:notesSz cx="6858000" cy="9144000"/>
@@ -291,7 +292,7 @@
             <a:fld id="{1D8BD707-D9CF-40AE-B4C6-C98DA3205C09}" type="datetimeFigureOut">
               <a:rPr lang="en-US" smtClean="0"/>
               <a:pPr/>
-              <a:t>12/17/2017</a:t>
+              <a:t>12/19/2017</a:t>
             </a:fld>
             <a:endParaRPr lang="en-US"/>
           </a:p>
@@ -458,7 +459,7 @@
             <a:fld id="{1D8BD707-D9CF-40AE-B4C6-C98DA3205C09}" type="datetimeFigureOut">
               <a:rPr lang="en-US" smtClean="0"/>
               <a:pPr/>
-              <a:t>12/17/2017</a:t>
+              <a:t>12/19/2017</a:t>
             </a:fld>
             <a:endParaRPr lang="en-US"/>
           </a:p>
@@ -635,7 +636,7 @@
             <a:fld id="{1D8BD707-D9CF-40AE-B4C6-C98DA3205C09}" type="datetimeFigureOut">
               <a:rPr lang="en-US" smtClean="0"/>
               <a:pPr/>
-              <a:t>12/17/2017</a:t>
+              <a:t>12/19/2017</a:t>
             </a:fld>
             <a:endParaRPr lang="en-US"/>
           </a:p>
@@ -802,7 +803,7 @@
             <a:fld id="{1D8BD707-D9CF-40AE-B4C6-C98DA3205C09}" type="datetimeFigureOut">
               <a:rPr lang="en-US" smtClean="0"/>
               <a:pPr/>
-              <a:t>12/17/2017</a:t>
+              <a:t>12/19/2017</a:t>
             </a:fld>
             <a:endParaRPr lang="en-US"/>
           </a:p>
@@ -1045,7 +1046,7 @@
             <a:fld id="{1D8BD707-D9CF-40AE-B4C6-C98DA3205C09}" type="datetimeFigureOut">
               <a:rPr lang="en-US" smtClean="0"/>
               <a:pPr/>
-              <a:t>12/17/2017</a:t>
+              <a:t>12/19/2017</a:t>
             </a:fld>
             <a:endParaRPr lang="en-US"/>
           </a:p>
@@ -1330,7 +1331,7 @@
             <a:fld id="{1D8BD707-D9CF-40AE-B4C6-C98DA3205C09}" type="datetimeFigureOut">
               <a:rPr lang="en-US" smtClean="0"/>
               <a:pPr/>
-              <a:t>12/17/2017</a:t>
+              <a:t>12/19/2017</a:t>
             </a:fld>
             <a:endParaRPr lang="en-US"/>
           </a:p>
@@ -1749,7 +1750,7 @@
             <a:fld id="{1D8BD707-D9CF-40AE-B4C6-C98DA3205C09}" type="datetimeFigureOut">
               <a:rPr lang="en-US" smtClean="0"/>
               <a:pPr/>
-              <a:t>12/17/2017</a:t>
+              <a:t>12/19/2017</a:t>
             </a:fld>
             <a:endParaRPr lang="en-US"/>
           </a:p>
@@ -1864,7 +1865,7 @@
             <a:fld id="{1D8BD707-D9CF-40AE-B4C6-C98DA3205C09}" type="datetimeFigureOut">
               <a:rPr lang="en-US" smtClean="0"/>
               <a:pPr/>
-              <a:t>12/17/2017</a:t>
+              <a:t>12/19/2017</a:t>
             </a:fld>
             <a:endParaRPr lang="en-US"/>
           </a:p>
@@ -1956,7 +1957,7 @@
             <a:fld id="{1D8BD707-D9CF-40AE-B4C6-C98DA3205C09}" type="datetimeFigureOut">
               <a:rPr lang="en-US" smtClean="0"/>
               <a:pPr/>
-              <a:t>12/17/2017</a:t>
+              <a:t>12/19/2017</a:t>
             </a:fld>
             <a:endParaRPr lang="en-US"/>
           </a:p>
@@ -2230,7 +2231,7 @@
             <a:fld id="{1D8BD707-D9CF-40AE-B4C6-C98DA3205C09}" type="datetimeFigureOut">
               <a:rPr lang="en-US" smtClean="0"/>
               <a:pPr/>
-              <a:t>12/17/2017</a:t>
+              <a:t>12/19/2017</a:t>
             </a:fld>
             <a:endParaRPr lang="en-US"/>
           </a:p>
@@ -2480,7 +2481,7 @@
             <a:fld id="{1D8BD707-D9CF-40AE-B4C6-C98DA3205C09}" type="datetimeFigureOut">
               <a:rPr lang="en-US" smtClean="0"/>
               <a:pPr/>
-              <a:t>12/17/2017</a:t>
+              <a:t>12/19/2017</a:t>
             </a:fld>
             <a:endParaRPr lang="en-US"/>
           </a:p>
@@ -2690,7 +2691,7 @@
             <a:fld id="{1D8BD707-D9CF-40AE-B4C6-C98DA3205C09}" type="datetimeFigureOut">
               <a:rPr lang="en-US" smtClean="0"/>
               <a:pPr/>
-              <a:t>12/17/2017</a:t>
+              <a:t>12/19/2017</a:t>
             </a:fld>
             <a:endParaRPr lang="en-US"/>
           </a:p>
@@ -3336,6 +3337,13 @@
   <p:clrMapOvr>
     <a:masterClrMapping/>
   </p:clrMapOvr>
+  <p:timing>
+    <p:tnLst>
+      <p:par>
+        <p:cTn id="1" dur="indefinite" restart="never" nodeType="tmRoot"/>
+      </p:par>
+    </p:tnLst>
+  </p:timing>
 </p:sld>
 </file>
 
@@ -3522,6 +3530,13 @@
   <p:clrMapOvr>
     <a:masterClrMapping/>
   </p:clrMapOvr>
+  <p:timing>
+    <p:tnLst>
+      <p:par>
+        <p:cTn id="1" dur="indefinite" restart="never" nodeType="tmRoot"/>
+      </p:par>
+    </p:tnLst>
+  </p:timing>
 </p:sld>
 </file>
 
@@ -3559,7 +3574,7 @@
           <a:p>
             <a:r>
               <a:rPr lang="en-US" dirty="0" smtClean="0"/>
-              <a:t>Future Work!</a:t>
+              <a:t>Improvements</a:t>
             </a:r>
             <a:endParaRPr lang="en-US" dirty="0"/>
           </a:p>
@@ -3582,50 +3597,20 @@
           <a:p>
             <a:r>
               <a:rPr lang="en-US" dirty="0" smtClean="0"/>
-              <a:t>Using </a:t>
-            </a:r>
-            <a:r>
-              <a:rPr lang="en-US" dirty="0" err="1" smtClean="0"/>
-              <a:t>tslearn</a:t>
-            </a:r>
+              <a:t>Add lag parameters in Linear Model feature set</a:t>
+            </a:r>
+          </a:p>
+          <a:p>
             <a:r>
               <a:rPr lang="en-US" dirty="0" smtClean="0"/>
-              <a:t> or </a:t>
-            </a:r>
-            <a:r>
-              <a:rPr lang="en-US" dirty="0" err="1" smtClean="0"/>
-              <a:t>Hctsa</a:t>
-            </a:r>
+              <a:t>Apply Regularization</a:t>
+            </a:r>
+          </a:p>
+          <a:p>
             <a:r>
               <a:rPr lang="en-US" dirty="0" smtClean="0"/>
-              <a:t>(MATLAB) for feature extraction for time series and using Supervised Machine Learning technique</a:t>
-            </a:r>
-          </a:p>
-          <a:p>
-            <a:r>
-              <a:rPr lang="en-US" dirty="0" smtClean="0"/>
-              <a:t>Sliding Window Approach using previous two days and last years 5 days with Euclidean distance</a:t>
-            </a:r>
-          </a:p>
-          <a:p>
-            <a:r>
-              <a:rPr lang="en-US" dirty="0" smtClean="0"/>
-              <a:t>Using LSTM’s/RNNs</a:t>
-            </a:r>
-          </a:p>
-          <a:p>
-            <a:r>
-              <a:rPr lang="en-US" dirty="0" smtClean="0"/>
-              <a:t>Ensemble Models</a:t>
-            </a:r>
-          </a:p>
-          <a:p>
-            <a:pPr>
-              <a:buNone/>
-            </a:pPr>
-            <a:endParaRPr lang="en-US" dirty="0" smtClean="0"/>
-          </a:p>
-          <a:p>
+              <a:t>Use ARIMA with Grid Search</a:t>
+            </a:r>
             <a:endParaRPr lang="en-US" dirty="0"/>
           </a:p>
         </p:txBody>
@@ -3635,6 +3620,150 @@
   <p:clrMapOvr>
     <a:masterClrMapping/>
   </p:clrMapOvr>
+  <p:timing>
+    <p:tnLst>
+      <p:par>
+        <p:cTn id="1" dur="indefinite" restart="never" nodeType="tmRoot"/>
+      </p:par>
+    </p:tnLst>
+  </p:timing>
+</p:sld>
+</file>
+
+<file path=ppt/slides/slide4.xml><?xml version="1.0" encoding="utf-8"?>
+<p:sld xmlns:a="http://schemas.openxmlformats.org/drawingml/2006/main" xmlns:r="http://schemas.openxmlformats.org/officeDocument/2006/relationships" xmlns:p="http://schemas.openxmlformats.org/presentationml/2006/main">
+  <p:cSld>
+    <p:spTree>
+      <p:nvGrpSpPr>
+        <p:cNvPr id="1" name=""/>
+        <p:cNvGrpSpPr/>
+        <p:nvPr/>
+      </p:nvGrpSpPr>
+      <p:grpSpPr>
+        <a:xfrm>
+          <a:off x="0" y="0"/>
+          <a:ext cx="0" cy="0"/>
+          <a:chOff x="0" y="0"/>
+          <a:chExt cx="0" cy="0"/>
+        </a:xfrm>
+      </p:grpSpPr>
+      <p:sp>
+        <p:nvSpPr>
+          <p:cNvPr id="2" name="Title 1"/>
+          <p:cNvSpPr>
+            <a:spLocks noGrp="1"/>
+          </p:cNvSpPr>
+          <p:nvPr>
+            <p:ph type="title"/>
+          </p:nvPr>
+        </p:nvSpPr>
+        <p:spPr/>
+        <p:txBody>
+          <a:bodyPr/>
+          <a:lstStyle/>
+          <a:p>
+            <a:r>
+              <a:rPr lang="en-US" dirty="0" smtClean="0"/>
+              <a:t>Future Work!</a:t>
+            </a:r>
+            <a:endParaRPr lang="en-US" dirty="0"/>
+          </a:p>
+        </p:txBody>
+      </p:sp>
+      <p:sp>
+        <p:nvSpPr>
+          <p:cNvPr id="3" name="Content Placeholder 2"/>
+          <p:cNvSpPr>
+            <a:spLocks noGrp="1"/>
+          </p:cNvSpPr>
+          <p:nvPr>
+            <p:ph idx="1"/>
+          </p:nvPr>
+        </p:nvSpPr>
+        <p:spPr/>
+        <p:txBody>
+          <a:bodyPr>
+            <a:normAutofit fontScale="92500"/>
+          </a:bodyPr>
+          <a:lstStyle/>
+          <a:p>
+            <a:r>
+              <a:rPr lang="en-US" dirty="0" smtClean="0"/>
+              <a:t>Using </a:t>
+            </a:r>
+            <a:r>
+              <a:rPr lang="en-US" dirty="0" err="1" smtClean="0"/>
+              <a:t>tslearn</a:t>
+            </a:r>
+            <a:r>
+              <a:rPr lang="en-US" dirty="0" smtClean="0"/>
+              <a:t> or </a:t>
+            </a:r>
+            <a:r>
+              <a:rPr lang="en-US" dirty="0" err="1" smtClean="0"/>
+              <a:t>Hctsa</a:t>
+            </a:r>
+            <a:r>
+              <a:rPr lang="en-US" dirty="0" smtClean="0"/>
+              <a:t>(MATLAB) for feature extraction for time series and using Supervised Machine Learning </a:t>
+            </a:r>
+            <a:r>
+              <a:rPr lang="en-US" dirty="0" smtClean="0"/>
+              <a:t>technique</a:t>
+            </a:r>
+          </a:p>
+          <a:p>
+            <a:r>
+              <a:rPr lang="en-US" dirty="0" smtClean="0"/>
+              <a:t>Add regularization in linear model (Ridge/lasso)</a:t>
+            </a:r>
+            <a:endParaRPr lang="en-US" dirty="0" smtClean="0"/>
+          </a:p>
+          <a:p>
+            <a:r>
+              <a:rPr lang="en-US" dirty="0" smtClean="0"/>
+              <a:t>Sliding Window Approach using previous two days and last years 5 days with Euclidean distance</a:t>
+            </a:r>
+          </a:p>
+          <a:p>
+            <a:r>
+              <a:rPr lang="en-US" dirty="0" smtClean="0"/>
+              <a:t>Using LSTM’s/RNNs</a:t>
+            </a:r>
+          </a:p>
+          <a:p>
+            <a:r>
+              <a:rPr lang="en-US" dirty="0" smtClean="0"/>
+              <a:t>Ensemble </a:t>
+            </a:r>
+            <a:r>
+              <a:rPr lang="en-US" dirty="0" smtClean="0"/>
+              <a:t>Models</a:t>
+            </a:r>
+          </a:p>
+          <a:p>
+            <a:pPr>
+              <a:buNone/>
+            </a:pPr>
+            <a:endParaRPr lang="en-US" dirty="0" smtClean="0"/>
+          </a:p>
+          <a:p>
+            <a:endParaRPr lang="en-US" dirty="0"/>
+          </a:p>
+        </p:txBody>
+      </p:sp>
+    </p:spTree>
+  </p:cSld>
+  <p:clrMapOvr>
+    <a:masterClrMapping/>
+  </p:clrMapOvr>
+  <p:timing>
+    <p:tnLst>
+      <p:par>
+        <p:cTn id="1" dur="indefinite" restart="never" nodeType="tmRoot"/>
+      </p:par>
+    </p:tnLst>
+  </p:timing>
 </p:sld>
 </file>
 
